--- a/_site/materials/module-3/M3-S3-R-Part-I/M3-S3-R-Part-I-slides.pptx
+++ b/_site/materials/module-3/M3-S3-R-Part-I/M3-S3-R-Part-I-slides.pptx
@@ -3896,7 +3896,7 @@
             </a:pPr>
             <a:r>
               <a:rPr/>
-              <a:t>26/06/2025</a:t>
+              <a:t>13/08/2025</a:t>
             </a:r>
           </a:p>
         </p:txBody>
